--- a/Project Guide/project_guide_slides.pptx
+++ b/Project Guide/project_guide_slides.pptx
@@ -3676,7 +3676,7 @@
           <a:p>
             <a:r>
               <a:rPr lang="en-CA" dirty="0"/>
-              <a:t>Basic Steps</a:t>
+              <a:t>Data Wrangling</a:t>
             </a:r>
           </a:p>
         </p:txBody>
@@ -3716,7 +3716,19 @@
           <a:p>
             <a:r>
               <a:rPr lang="en-CA" dirty="0"/>
-              <a:t>Convert columns to workable formats</a:t>
+              <a:t>Adjust units and formats</a:t>
+            </a:r>
+          </a:p>
+          <a:p>
+            <a:r>
+              <a:rPr lang="en-CA" dirty="0"/>
+              <a:t>Clean NAs</a:t>
+            </a:r>
+          </a:p>
+          <a:p>
+            <a:r>
+              <a:rPr lang="en-CA" dirty="0"/>
+              <a:t>Check for and remove duplicates</a:t>
             </a:r>
           </a:p>
           <a:p>
@@ -3841,7 +3853,7 @@
               <a:t>www.r-bloggers.com</a:t>
             </a:r>
             <a:r>
-              <a:rPr lang="en-CA"/>
+              <a:rPr lang="en-CA" dirty="0"/>
               <a:t>/2020/08/data-manipulation-in-r-using-data-frames-an-extensive-article-of-basics/</a:t>
             </a:r>
           </a:p>
